--- a/Week_1.pptx
+++ b/Week_1.pptx
@@ -10,29 +10,30 @@
     <p:sldId id="276" r:id="rId4"/>
     <p:sldId id="277" r:id="rId5"/>
     <p:sldId id="279" r:id="rId6"/>
-    <p:sldId id="284" r:id="rId7"/>
-    <p:sldId id="285" r:id="rId8"/>
-    <p:sldId id="286" r:id="rId9"/>
-    <p:sldId id="287" r:id="rId10"/>
-    <p:sldId id="288" r:id="rId11"/>
-    <p:sldId id="289" r:id="rId12"/>
-    <p:sldId id="290" r:id="rId13"/>
-    <p:sldId id="291" r:id="rId14"/>
-    <p:sldId id="292" r:id="rId15"/>
-    <p:sldId id="296" r:id="rId16"/>
-    <p:sldId id="304" r:id="rId17"/>
-    <p:sldId id="305" r:id="rId18"/>
-    <p:sldId id="306" r:id="rId19"/>
-    <p:sldId id="308" r:id="rId20"/>
-    <p:sldId id="309" r:id="rId21"/>
-    <p:sldId id="310" r:id="rId22"/>
-    <p:sldId id="311" r:id="rId23"/>
-    <p:sldId id="313" r:id="rId24"/>
-    <p:sldId id="319" r:id="rId25"/>
-    <p:sldId id="320" r:id="rId26"/>
-    <p:sldId id="321" r:id="rId27"/>
-    <p:sldId id="322" r:id="rId28"/>
-    <p:sldId id="323" r:id="rId29"/>
+    <p:sldId id="324" r:id="rId7"/>
+    <p:sldId id="284" r:id="rId8"/>
+    <p:sldId id="285" r:id="rId9"/>
+    <p:sldId id="286" r:id="rId10"/>
+    <p:sldId id="287" r:id="rId11"/>
+    <p:sldId id="288" r:id="rId12"/>
+    <p:sldId id="289" r:id="rId13"/>
+    <p:sldId id="290" r:id="rId14"/>
+    <p:sldId id="291" r:id="rId15"/>
+    <p:sldId id="292" r:id="rId16"/>
+    <p:sldId id="296" r:id="rId17"/>
+    <p:sldId id="304" r:id="rId18"/>
+    <p:sldId id="305" r:id="rId19"/>
+    <p:sldId id="306" r:id="rId20"/>
+    <p:sldId id="308" r:id="rId21"/>
+    <p:sldId id="309" r:id="rId22"/>
+    <p:sldId id="310" r:id="rId23"/>
+    <p:sldId id="311" r:id="rId24"/>
+    <p:sldId id="313" r:id="rId25"/>
+    <p:sldId id="319" r:id="rId26"/>
+    <p:sldId id="320" r:id="rId27"/>
+    <p:sldId id="321" r:id="rId28"/>
+    <p:sldId id="322" r:id="rId29"/>
+    <p:sldId id="323" r:id="rId30"/>
   </p:sldIdLst>
   <p:sldSz cx="9144000" cy="6858000" type="screen4x3"/>
   <p:notesSz cx="6858000" cy="9144000"/>
@@ -260,7 +261,7 @@
             <a:fld id="{1D8BD707-D9CF-40AE-B4C6-C98DA3205C09}" type="datetimeFigureOut">
               <a:rPr lang="en-US" smtClean="0"/>
               <a:pPr/>
-              <a:t>6/3/2020</a:t>
+              <a:t>6/8/2020</a:t>
             </a:fld>
             <a:endParaRPr lang="en-US"/>
           </a:p>
@@ -895,7 +896,7 @@
             <a:fld id="{1D8BD707-D9CF-40AE-B4C6-C98DA3205C09}" type="datetimeFigureOut">
               <a:rPr lang="en-US" smtClean="0"/>
               <a:pPr/>
-              <a:t>6/3/2020</a:t>
+              <a:t>6/8/2020</a:t>
             </a:fld>
             <a:endParaRPr lang="en-US"/>
           </a:p>
@@ -1174,7 +1175,7 @@
             <a:fld id="{1D8BD707-D9CF-40AE-B4C6-C98DA3205C09}" type="datetimeFigureOut">
               <a:rPr lang="en-US" smtClean="0"/>
               <a:pPr/>
-              <a:t>6/3/2020</a:t>
+              <a:t>6/8/2020</a:t>
             </a:fld>
             <a:endParaRPr lang="en-US"/>
           </a:p>
@@ -1341,7 +1342,7 @@
             <a:fld id="{1D8BD707-D9CF-40AE-B4C6-C98DA3205C09}" type="datetimeFigureOut">
               <a:rPr lang="en-US" smtClean="0"/>
               <a:pPr/>
-              <a:t>6/3/2020</a:t>
+              <a:t>6/8/2020</a:t>
             </a:fld>
             <a:endParaRPr lang="en-US"/>
           </a:p>
@@ -1524,7 +1525,7 @@
             <a:fld id="{1D8BD707-D9CF-40AE-B4C6-C98DA3205C09}" type="datetimeFigureOut">
               <a:rPr lang="en-US" smtClean="0"/>
               <a:pPr/>
-              <a:t>6/3/2020</a:t>
+              <a:t>6/8/2020</a:t>
             </a:fld>
             <a:endParaRPr lang="en-US"/>
           </a:p>
@@ -2171,7 +2172,7 @@
             <a:fld id="{1D8BD707-D9CF-40AE-B4C6-C98DA3205C09}" type="datetimeFigureOut">
               <a:rPr lang="en-US" smtClean="0"/>
               <a:pPr/>
-              <a:t>6/3/2020</a:t>
+              <a:t>6/8/2020</a:t>
             </a:fld>
             <a:endParaRPr lang="en-US"/>
           </a:p>
@@ -2599,7 +2600,7 @@
             <a:fld id="{1D8BD707-D9CF-40AE-B4C6-C98DA3205C09}" type="datetimeFigureOut">
               <a:rPr lang="en-US" smtClean="0"/>
               <a:pPr/>
-              <a:t>6/3/2020</a:t>
+              <a:t>6/8/2020</a:t>
             </a:fld>
             <a:endParaRPr lang="en-US"/>
           </a:p>
@@ -2714,7 +2715,7 @@
             <a:fld id="{1D8BD707-D9CF-40AE-B4C6-C98DA3205C09}" type="datetimeFigureOut">
               <a:rPr lang="en-US" smtClean="0"/>
               <a:pPr/>
-              <a:t>6/3/2020</a:t>
+              <a:t>6/8/2020</a:t>
             </a:fld>
             <a:endParaRPr lang="en-US"/>
           </a:p>
@@ -2897,7 +2898,7 @@
             <a:fld id="{1D8BD707-D9CF-40AE-B4C6-C98DA3205C09}" type="datetimeFigureOut">
               <a:rPr lang="en-US" smtClean="0"/>
               <a:pPr/>
-              <a:t>6/3/2020</a:t>
+              <a:t>6/8/2020</a:t>
             </a:fld>
             <a:endParaRPr lang="en-US"/>
           </a:p>
@@ -3165,7 +3166,7 @@
             <a:fld id="{1D8BD707-D9CF-40AE-B4C6-C98DA3205C09}" type="datetimeFigureOut">
               <a:rPr lang="en-US" smtClean="0"/>
               <a:pPr/>
-              <a:t>6/3/2020</a:t>
+              <a:t>6/8/2020</a:t>
             </a:fld>
             <a:endParaRPr lang="en-US"/>
           </a:p>
@@ -3637,7 +3638,7 @@
             <a:fld id="{1D8BD707-D9CF-40AE-B4C6-C98DA3205C09}" type="datetimeFigureOut">
               <a:rPr lang="en-US" smtClean="0"/>
               <a:pPr/>
-              <a:t>6/3/2020</a:t>
+              <a:t>6/8/2020</a:t>
             </a:fld>
             <a:endParaRPr lang="en-US"/>
           </a:p>
@@ -4199,7 +4200,7 @@
             <a:fld id="{1D8BD707-D9CF-40AE-B4C6-C98DA3205C09}" type="datetimeFigureOut">
               <a:rPr lang="en-US" smtClean="0"/>
               <a:pPr/>
-              <a:t>6/3/2020</a:t>
+              <a:t>6/8/2020</a:t>
             </a:fld>
             <a:endParaRPr lang="en-US"/>
           </a:p>
@@ -4954,48 +4955,39 @@
         </p:nvSpPr>
         <p:spPr>
           <a:xfrm>
-            <a:off x="64008" y="1600200"/>
-            <a:ext cx="9067800" cy="5425440"/>
+            <a:off x="304800" y="1143000"/>
+            <a:ext cx="8763000" cy="5715000"/>
           </a:xfrm>
         </p:spPr>
         <p:txBody>
-          <a:bodyPr/>
+          <a:bodyPr>
+            <a:normAutofit/>
+          </a:bodyPr>
           <a:lstStyle/>
           <a:p>
             <a:r>
               <a:rPr lang="vi-VN" b="1" dirty="0"/>
-              <a:t>Button :</a:t>
-            </a:r>
-          </a:p>
-          <a:p>
+              <a:t>EditText :</a:t>
+            </a:r>
+          </a:p>
+          <a:p>
+            <a:r>
+              <a:rPr lang="vi-VN" b="1" dirty="0"/>
+              <a:t>EditText</a:t>
+            </a:r>
             <a:r>
               <a:rPr lang="vi-VN" dirty="0"/>
-              <a:t>Button là view được sử dụng khá nhiều trong android, hầu như sử dụng ở mọi nơi cùng với EditText, TextView. Button có chức năng là làm nhiệm vụ nào đó khi mà người dùng click trong phương thức onClick</a:t>
-            </a:r>
-            <a:r>
-              <a:rPr lang="vi-VN" dirty="0" smtClean="0"/>
-              <a:t>.</a:t>
-            </a:r>
-            <a:endParaRPr lang="en-US" dirty="0" smtClean="0"/>
-          </a:p>
-          <a:p>
-            <a:r>
-              <a:rPr lang="vi-VN" b="1" dirty="0"/>
-              <a:t>android:id</a:t>
+              <a:t> là view dùng để lấy giá trị từ người dùng nhập vào. EditText được định nghĩa bởi thẻ &lt;EditText&gt; trong xml.</a:t>
+            </a:r>
+          </a:p>
+          <a:p>
+            <a:r>
+              <a:rPr lang="vi-VN" b="1" dirty="0" smtClean="0"/>
+              <a:t>android:text</a:t>
             </a:r>
             <a:r>
               <a:rPr lang="vi-VN" dirty="0"/>
-              <a:t>: Xác định id cho Button</a:t>
-            </a:r>
-          </a:p>
-          <a:p>
-            <a:r>
-              <a:rPr lang="vi-VN" b="1" dirty="0"/>
-              <a:t>android:text:</a:t>
-            </a:r>
-            <a:r>
-              <a:rPr lang="vi-VN" dirty="0"/>
-              <a:t> Xác định văn bản  sẽ hiển thị lên Button</a:t>
+              <a:t>: Xác định text hiển thị lên EditText</a:t>
             </a:r>
           </a:p>
           <a:p>
@@ -5005,21 +4997,38 @@
             </a:r>
             <a:r>
               <a:rPr lang="vi-VN" dirty="0"/>
-              <a:t>: Xác định màu văn bản của Button.</a:t>
+              <a:t>: Xác định màu của text.</a:t>
             </a:r>
           </a:p>
           <a:p>
             <a:r>
               <a:rPr lang="vi-VN" b="1" dirty="0"/>
-              <a:t>android:background:</a:t>
+              <a:t>android:textSize</a:t>
             </a:r>
             <a:r>
               <a:rPr lang="vi-VN" dirty="0"/>
-              <a:t> Xác định màu nền của Button</a:t>
-            </a:r>
-          </a:p>
-          <a:p>
-            <a:endParaRPr lang="vi-VN" dirty="0"/>
+              <a:t>: Xác định kích thước của text.</a:t>
+            </a:r>
+          </a:p>
+          <a:p>
+            <a:r>
+              <a:rPr lang="vi-VN" b="1" dirty="0"/>
+              <a:t>android:textStyle</a:t>
+            </a:r>
+            <a:r>
+              <a:rPr lang="vi-VN" dirty="0"/>
+              <a:t>: Xác định style của text gồm các giá trị italic (nghiêng), bold (in đậm), normal (kiểu thường).</a:t>
+            </a:r>
+          </a:p>
+          <a:p>
+            <a:r>
+              <a:rPr lang="vi-VN" b="1" dirty="0"/>
+              <a:t>android:inputType:</a:t>
+            </a:r>
+            <a:r>
+              <a:rPr lang="vi-VN" dirty="0"/>
+              <a:t> Xác định phương thức nhập của Edittext, có các giá trị như sau: text, number, textPassword, phone, textUrl…</a:t>
+            </a:r>
           </a:p>
           <a:p>
             <a:endParaRPr lang="en-US" dirty="0"/>
@@ -5029,7 +5038,7 @@
     </p:spTree>
     <p:extLst>
       <p:ext uri="{BB962C8B-B14F-4D97-AF65-F5344CB8AC3E}">
-        <p14:creationId xmlns:p14="http://schemas.microsoft.com/office/powerpoint/2010/main" val="927658380"/>
+        <p14:creationId xmlns:p14="http://schemas.microsoft.com/office/powerpoint/2010/main" val="1525039173"/>
       </p:ext>
     </p:extLst>
   </p:cSld>
@@ -5065,6 +5074,343 @@
       </p:grpSpPr>
       <p:sp>
         <p:nvSpPr>
+          <p:cNvPr id="3" name="Content Placeholder 2"/>
+          <p:cNvSpPr>
+            <a:spLocks noGrp="1"/>
+          </p:cNvSpPr>
+          <p:nvPr>
+            <p:ph idx="1"/>
+          </p:nvPr>
+        </p:nvSpPr>
+        <p:spPr>
+          <a:xfrm>
+            <a:off x="76200" y="152400"/>
+            <a:ext cx="9055608" cy="6553200"/>
+          </a:xfrm>
+        </p:spPr>
+        <p:txBody>
+          <a:bodyPr/>
+          <a:lstStyle/>
+          <a:p>
+            <a:r>
+              <a:rPr lang="vi-VN" b="1" dirty="0"/>
+              <a:t>Button :</a:t>
+            </a:r>
+          </a:p>
+          <a:p>
+            <a:r>
+              <a:rPr lang="vi-VN" b="1" dirty="0" smtClean="0"/>
+              <a:t>android:id</a:t>
+            </a:r>
+            <a:r>
+              <a:rPr lang="vi-VN" dirty="0"/>
+              <a:t>: Xác định id cho Button</a:t>
+            </a:r>
+          </a:p>
+          <a:p>
+            <a:r>
+              <a:rPr lang="vi-VN" b="1" dirty="0"/>
+              <a:t>android:text:</a:t>
+            </a:r>
+            <a:r>
+              <a:rPr lang="vi-VN" dirty="0"/>
+              <a:t> Xác định văn bản  sẽ hiển thị lên Button</a:t>
+            </a:r>
+          </a:p>
+          <a:p>
+            <a:r>
+              <a:rPr lang="vi-VN" b="1" dirty="0"/>
+              <a:t>android:textColor</a:t>
+            </a:r>
+            <a:r>
+              <a:rPr lang="vi-VN" dirty="0"/>
+              <a:t>: Xác định màu văn bản của Button.</a:t>
+            </a:r>
+          </a:p>
+          <a:p>
+            <a:r>
+              <a:rPr lang="vi-VN" b="1" dirty="0"/>
+              <a:t>android:background:</a:t>
+            </a:r>
+            <a:r>
+              <a:rPr lang="vi-VN" dirty="0"/>
+              <a:t> Xác định màu nền của Button</a:t>
+            </a:r>
+          </a:p>
+          <a:p>
+            <a:r>
+              <a:rPr lang="en-US" b="1" dirty="0" err="1" smtClean="0"/>
+              <a:t>android:fontFamily</a:t>
+            </a:r>
+            <a:r>
+              <a:rPr lang="en-US" b="1" dirty="0" smtClean="0"/>
+              <a:t>: </a:t>
+            </a:r>
+            <a:r>
+              <a:rPr lang="en-US" b="1" dirty="0" err="1" smtClean="0"/>
+              <a:t>xác</a:t>
+            </a:r>
+            <a:r>
+              <a:rPr lang="en-US" b="1" dirty="0" smtClean="0"/>
+              <a:t> </a:t>
+            </a:r>
+            <a:r>
+              <a:rPr lang="en-US" b="1" dirty="0" err="1" smtClean="0"/>
+              <a:t>định</a:t>
+            </a:r>
+            <a:r>
+              <a:rPr lang="en-US" b="1" dirty="0" smtClean="0"/>
+              <a:t> font </a:t>
+            </a:r>
+            <a:r>
+              <a:rPr lang="en-US" b="1" dirty="0" err="1" smtClean="0"/>
+              <a:t>chữ</a:t>
+            </a:r>
+            <a:endParaRPr lang="en-US" b="1" dirty="0"/>
+          </a:p>
+          <a:p>
+            <a:r>
+              <a:rPr lang="en-US" b="1" dirty="0" err="1" smtClean="0"/>
+              <a:t>android:textAllCaps</a:t>
+            </a:r>
+            <a:r>
+              <a:rPr lang="en-US" b="1" dirty="0" smtClean="0"/>
+              <a:t>: in </a:t>
+            </a:r>
+            <a:r>
+              <a:rPr lang="en-US" b="1" dirty="0" err="1" smtClean="0"/>
+              <a:t>hoa</a:t>
+            </a:r>
+            <a:r>
+              <a:rPr lang="en-US" b="1" dirty="0" smtClean="0"/>
+              <a:t> </a:t>
+            </a:r>
+            <a:r>
+              <a:rPr lang="en-US" b="1" dirty="0" err="1" smtClean="0"/>
+              <a:t>tất</a:t>
+            </a:r>
+            <a:r>
+              <a:rPr lang="en-US" b="1" dirty="0" smtClean="0"/>
+              <a:t> </a:t>
+            </a:r>
+            <a:r>
+              <a:rPr lang="en-US" b="1" dirty="0" err="1" smtClean="0"/>
+              <a:t>cả</a:t>
+            </a:r>
+            <a:r>
+              <a:rPr lang="en-US" b="1" dirty="0" smtClean="0"/>
+              <a:t> </a:t>
+            </a:r>
+            <a:r>
+              <a:rPr lang="en-US" b="1" dirty="0" err="1" smtClean="0"/>
+              <a:t>chữ</a:t>
+            </a:r>
+            <a:r>
+              <a:rPr lang="en-US" b="1" dirty="0" smtClean="0"/>
+              <a:t>	</a:t>
+            </a:r>
+          </a:p>
+          <a:p>
+            <a:r>
+              <a:rPr lang="en-US" b="1" dirty="0" err="1" smtClean="0"/>
+              <a:t>android:enabled</a:t>
+            </a:r>
+            <a:r>
+              <a:rPr lang="en-US" b="1" dirty="0" smtClean="0"/>
+              <a:t>: </a:t>
+            </a:r>
+            <a:r>
+              <a:rPr lang="en-US" b="1" dirty="0" err="1" smtClean="0"/>
+              <a:t>xét</a:t>
+            </a:r>
+            <a:r>
+              <a:rPr lang="en-US" b="1" dirty="0" smtClean="0"/>
+              <a:t> </a:t>
+            </a:r>
+            <a:r>
+              <a:rPr lang="en-US" b="1" dirty="0" err="1" smtClean="0"/>
+              <a:t>trạng</a:t>
+            </a:r>
+            <a:r>
+              <a:rPr lang="en-US" b="1" dirty="0" smtClean="0"/>
+              <a:t> </a:t>
+            </a:r>
+            <a:r>
+              <a:rPr lang="en-US" b="1" dirty="0" err="1" smtClean="0"/>
+              <a:t>thái</a:t>
+            </a:r>
+            <a:r>
+              <a:rPr lang="en-US" b="1" dirty="0" smtClean="0"/>
+              <a:t> click </a:t>
+            </a:r>
+          </a:p>
+          <a:p>
+            <a:r>
+              <a:rPr lang="en-US" b="1" dirty="0" err="1" smtClean="0"/>
+              <a:t>android:drawable</a:t>
+            </a:r>
+            <a:r>
+              <a:rPr lang="en-US" b="1" dirty="0" smtClean="0"/>
+              <a:t>: </a:t>
+            </a:r>
+            <a:r>
+              <a:rPr lang="en-US" b="1" dirty="0" err="1" smtClean="0"/>
+              <a:t>thêm</a:t>
+            </a:r>
+            <a:r>
+              <a:rPr lang="en-US" b="1" dirty="0" smtClean="0"/>
+              <a:t> </a:t>
+            </a:r>
+            <a:r>
+              <a:rPr lang="en-US" b="1" dirty="0" err="1" smtClean="0"/>
+              <a:t>ảnh</a:t>
+            </a:r>
+            <a:r>
+              <a:rPr lang="en-US" b="1" dirty="0" smtClean="0"/>
+              <a:t> </a:t>
+            </a:r>
+            <a:r>
+              <a:rPr lang="en-US" b="1" dirty="0" err="1" smtClean="0"/>
+              <a:t>vào</a:t>
+            </a:r>
+            <a:r>
+              <a:rPr lang="en-US" b="1" dirty="0" smtClean="0"/>
+              <a:t> button</a:t>
+            </a:r>
+          </a:p>
+          <a:p>
+            <a:r>
+              <a:rPr lang="en-US" dirty="0" err="1" smtClean="0"/>
+              <a:t>android:padding</a:t>
+            </a:r>
+            <a:r>
+              <a:rPr lang="en-US" dirty="0" smtClean="0"/>
+              <a:t>: </a:t>
+            </a:r>
+            <a:r>
+              <a:rPr lang="en-US" dirty="0" err="1" smtClean="0"/>
+              <a:t>căn</a:t>
+            </a:r>
+            <a:r>
+              <a:rPr lang="en-US" dirty="0" smtClean="0"/>
+              <a:t> </a:t>
+            </a:r>
+            <a:r>
+              <a:rPr lang="en-US" dirty="0" err="1" smtClean="0"/>
+              <a:t>chỉnh</a:t>
+            </a:r>
+            <a:r>
+              <a:rPr lang="en-US" dirty="0" smtClean="0"/>
+              <a:t> </a:t>
+            </a:r>
+            <a:r>
+              <a:rPr lang="en-US" dirty="0" err="1" smtClean="0"/>
+              <a:t>thuộc</a:t>
+            </a:r>
+            <a:r>
+              <a:rPr lang="en-US" dirty="0" smtClean="0"/>
+              <a:t> </a:t>
+            </a:r>
+            <a:r>
+              <a:rPr lang="en-US" dirty="0" err="1" smtClean="0"/>
+              <a:t>tính</a:t>
+            </a:r>
+            <a:r>
+              <a:rPr lang="en-US" dirty="0" smtClean="0"/>
+              <a:t> ở </a:t>
+            </a:r>
+            <a:r>
+              <a:rPr lang="en-US" dirty="0" err="1" smtClean="0"/>
+              <a:t>trong</a:t>
+            </a:r>
+            <a:r>
+              <a:rPr lang="en-US" dirty="0" smtClean="0"/>
+              <a:t> button</a:t>
+            </a:r>
+          </a:p>
+          <a:p>
+            <a:r>
+              <a:rPr lang="en-US" dirty="0" err="1" smtClean="0"/>
+              <a:t>android:layout_margin</a:t>
+            </a:r>
+            <a:r>
+              <a:rPr lang="en-US" dirty="0" smtClean="0"/>
+              <a:t>: </a:t>
+            </a:r>
+            <a:r>
+              <a:rPr lang="en-US" dirty="0" err="1" smtClean="0"/>
+              <a:t>căn</a:t>
+            </a:r>
+            <a:r>
+              <a:rPr lang="en-US" dirty="0" smtClean="0"/>
+              <a:t> </a:t>
+            </a:r>
+            <a:r>
+              <a:rPr lang="en-US" dirty="0" err="1" smtClean="0"/>
+              <a:t>chỉnh</a:t>
+            </a:r>
+            <a:r>
+              <a:rPr lang="en-US" dirty="0" smtClean="0"/>
+              <a:t> </a:t>
+            </a:r>
+            <a:r>
+              <a:rPr lang="en-US" dirty="0" err="1" smtClean="0"/>
+              <a:t>với</a:t>
+            </a:r>
+            <a:r>
+              <a:rPr lang="en-US" dirty="0" smtClean="0"/>
+              <a:t> </a:t>
+            </a:r>
+            <a:r>
+              <a:rPr lang="en-US" smtClean="0"/>
+              <a:t>view cha</a:t>
+            </a:r>
+            <a:endParaRPr lang="vi-VN" dirty="0"/>
+          </a:p>
+          <a:p>
+            <a:endParaRPr lang="en-US" dirty="0"/>
+          </a:p>
+        </p:txBody>
+      </p:sp>
+    </p:spTree>
+    <p:extLst>
+      <p:ext uri="{BB962C8B-B14F-4D97-AF65-F5344CB8AC3E}">
+        <p14:creationId xmlns:p14="http://schemas.microsoft.com/office/powerpoint/2010/main" val="927658380"/>
+      </p:ext>
+    </p:extLst>
+  </p:cSld>
+  <p:clrMapOvr>
+    <a:masterClrMapping/>
+  </p:clrMapOvr>
+  <p:timing>
+    <p:tnLst>
+      <p:par>
+        <p:cTn id="1" dur="indefinite" restart="never" nodeType="tmRoot"/>
+      </p:par>
+    </p:tnLst>
+  </p:timing>
+</p:sld>
+</file>
+
+<file path=ppt/slides/slide12.xml><?xml version="1.0" encoding="utf-8"?>
+<p:sld xmlns:a="http://schemas.openxmlformats.org/drawingml/2006/main" xmlns:r="http://schemas.openxmlformats.org/officeDocument/2006/relationships" xmlns:p="http://schemas.openxmlformats.org/presentationml/2006/main">
+  <p:cSld>
+    <p:spTree>
+      <p:nvGrpSpPr>
+        <p:cNvPr id="1" name=""/>
+        <p:cNvGrpSpPr/>
+        <p:nvPr/>
+      </p:nvGrpSpPr>
+      <p:grpSpPr>
+        <a:xfrm>
+          <a:off x="0" y="0"/>
+          <a:ext cx="0" cy="0"/>
+          <a:chOff x="0" y="0"/>
+          <a:chExt cx="0" cy="0"/>
+        </a:xfrm>
+      </p:grpSpPr>
+      <p:sp>
+        <p:nvSpPr>
           <p:cNvPr id="4" name="Title 1"/>
           <p:cNvSpPr>
             <a:spLocks noGrp="1"/>
@@ -5145,7 +5491,7 @@
 </p:sld>
 </file>
 
-<file path=ppt/slides/slide12.xml><?xml version="1.0" encoding="utf-8"?>
+<file path=ppt/slides/slide13.xml><?xml version="1.0" encoding="utf-8"?>
 <p:sld xmlns:a="http://schemas.openxmlformats.org/drawingml/2006/main" xmlns:r="http://schemas.openxmlformats.org/officeDocument/2006/relationships" xmlns:p="http://schemas.openxmlformats.org/presentationml/2006/main">
   <p:cSld>
     <p:spTree>
@@ -5306,7 +5652,7 @@
 </p:sld>
 </file>
 
-<file path=ppt/slides/slide13.xml><?xml version="1.0" encoding="utf-8"?>
+<file path=ppt/slides/slide14.xml><?xml version="1.0" encoding="utf-8"?>
 <p:sld xmlns:a="http://schemas.openxmlformats.org/drawingml/2006/main" xmlns:r="http://schemas.openxmlformats.org/officeDocument/2006/relationships" xmlns:p="http://schemas.openxmlformats.org/presentationml/2006/main">
   <p:cSld>
     <p:spTree>
@@ -5588,7 +5934,7 @@
 </p:sld>
 </file>
 
-<file path=ppt/slides/slide14.xml><?xml version="1.0" encoding="utf-8"?>
+<file path=ppt/slides/slide15.xml><?xml version="1.0" encoding="utf-8"?>
 <p:sld xmlns:a="http://schemas.openxmlformats.org/drawingml/2006/main" xmlns:r="http://schemas.openxmlformats.org/officeDocument/2006/relationships" xmlns:p="http://schemas.openxmlformats.org/presentationml/2006/main">
   <p:cSld>
     <p:spTree>
@@ -5771,7 +6117,7 @@
 </p:sld>
 </file>
 
-<file path=ppt/slides/slide15.xml><?xml version="1.0" encoding="utf-8"?>
+<file path=ppt/slides/slide16.xml><?xml version="1.0" encoding="utf-8"?>
 <p:sld xmlns:a="http://schemas.openxmlformats.org/drawingml/2006/main" xmlns:r="http://schemas.openxmlformats.org/officeDocument/2006/relationships" xmlns:p="http://schemas.openxmlformats.org/presentationml/2006/main">
   <p:cSld>
     <p:spTree>
@@ -5972,7 +6318,7 @@
 </p:sld>
 </file>
 
-<file path=ppt/slides/slide16.xml><?xml version="1.0" encoding="utf-8"?>
+<file path=ppt/slides/slide17.xml><?xml version="1.0" encoding="utf-8"?>
 <p:sld xmlns:a="http://schemas.openxmlformats.org/drawingml/2006/main" xmlns:r="http://schemas.openxmlformats.org/officeDocument/2006/relationships" xmlns:p="http://schemas.openxmlformats.org/presentationml/2006/main">
   <p:cSld>
     <p:spTree>
@@ -6192,7 +6538,7 @@
 </p:sld>
 </file>
 
-<file path=ppt/slides/slide17.xml><?xml version="1.0" encoding="utf-8"?>
+<file path=ppt/slides/slide18.xml><?xml version="1.0" encoding="utf-8"?>
 <p:sld xmlns:a="http://schemas.openxmlformats.org/drawingml/2006/main" xmlns:r="http://schemas.openxmlformats.org/officeDocument/2006/relationships" xmlns:p="http://schemas.openxmlformats.org/presentationml/2006/main">
   <p:cSld>
     <p:spTree>
@@ -6681,7 +7027,7 @@
 </p:sld>
 </file>
 
-<file path=ppt/slides/slide18.xml><?xml version="1.0" encoding="utf-8"?>
+<file path=ppt/slides/slide19.xml><?xml version="1.0" encoding="utf-8"?>
 <p:sld xmlns:a="http://schemas.openxmlformats.org/drawingml/2006/main" xmlns:r="http://schemas.openxmlformats.org/officeDocument/2006/relationships" xmlns:p="http://schemas.openxmlformats.org/presentationml/2006/main">
   <p:cSld>
     <p:spTree>
@@ -6782,125 +7128,6 @@
 </p:sld>
 </file>
 
-<file path=ppt/slides/slide19.xml><?xml version="1.0" encoding="utf-8"?>
-<p:sld xmlns:a="http://schemas.openxmlformats.org/drawingml/2006/main" xmlns:r="http://schemas.openxmlformats.org/officeDocument/2006/relationships" xmlns:p="http://schemas.openxmlformats.org/presentationml/2006/main">
-  <p:cSld>
-    <p:spTree>
-      <p:nvGrpSpPr>
-        <p:cNvPr id="1" name=""/>
-        <p:cNvGrpSpPr/>
-        <p:nvPr/>
-      </p:nvGrpSpPr>
-      <p:grpSpPr>
-        <a:xfrm>
-          <a:off x="0" y="0"/>
-          <a:ext cx="0" cy="0"/>
-          <a:chOff x="0" y="0"/>
-          <a:chExt cx="0" cy="0"/>
-        </a:xfrm>
-      </p:grpSpPr>
-      <p:sp>
-        <p:nvSpPr>
-          <p:cNvPr id="2" name="Title 1"/>
-          <p:cNvSpPr>
-            <a:spLocks noGrp="1"/>
-          </p:cNvSpPr>
-          <p:nvPr>
-            <p:ph type="title"/>
-          </p:nvPr>
-        </p:nvSpPr>
-        <p:spPr>
-          <a:xfrm>
-            <a:off x="381000" y="685800"/>
-            <a:ext cx="8260672" cy="1039427"/>
-          </a:xfrm>
-        </p:spPr>
-        <p:txBody>
-          <a:bodyPr>
-            <a:normAutofit fontScale="90000"/>
-          </a:bodyPr>
-          <a:lstStyle/>
-          <a:p>
-            <a:r>
-              <a:rPr lang="en-US" cap="all" dirty="0">
-                <a:effectLst/>
-              </a:rPr>
-              <a:t>TOAST</a:t>
-            </a:r>
-            <a:br>
-              <a:rPr lang="en-US" cap="all" dirty="0">
-                <a:effectLst/>
-              </a:rPr>
-            </a:br>
-            <a:endParaRPr lang="en-US" dirty="0"/>
-          </a:p>
-        </p:txBody>
-      </p:sp>
-      <p:sp>
-        <p:nvSpPr>
-          <p:cNvPr id="3" name="Content Placeholder 2"/>
-          <p:cNvSpPr>
-            <a:spLocks noGrp="1"/>
-          </p:cNvSpPr>
-          <p:nvPr>
-            <p:ph idx="1"/>
-          </p:nvPr>
-        </p:nvSpPr>
-        <p:spPr/>
-        <p:txBody>
-          <a:bodyPr/>
-          <a:lstStyle/>
-          <a:p>
-            <a:pPr fontAlgn="base"/>
-            <a:r>
-              <a:rPr lang="vi-VN" b="1" dirty="0"/>
-              <a:t>Toast là gì?</a:t>
-            </a:r>
-          </a:p>
-          <a:p>
-            <a:pPr fontAlgn="base"/>
-            <a:r>
-              <a:rPr lang="en-US" dirty="0" smtClean="0"/>
-              <a:t>Toast </a:t>
-            </a:r>
-            <a:r>
-              <a:rPr lang="en-US" dirty="0"/>
-              <a:t>l</a:t>
-            </a:r>
-            <a:r>
-              <a:rPr lang="vi-VN" dirty="0" smtClean="0"/>
-              <a:t>à </a:t>
-            </a:r>
-            <a:r>
-              <a:rPr lang="vi-VN" dirty="0"/>
-              <a:t>kiểu hiển thị thông báo lên trên màn hình trong một khoảng thời thời gian rất ngắn nào đó, nó thường được sử dụng ở trong Activity, Fragment, Service…</a:t>
-            </a:r>
-          </a:p>
-          <a:p>
-            <a:endParaRPr lang="en-US" dirty="0"/>
-          </a:p>
-        </p:txBody>
-      </p:sp>
-    </p:spTree>
-    <p:extLst>
-      <p:ext uri="{BB962C8B-B14F-4D97-AF65-F5344CB8AC3E}">
-        <p14:creationId xmlns:p14="http://schemas.microsoft.com/office/powerpoint/2010/main" val="2625581319"/>
-      </p:ext>
-    </p:extLst>
-  </p:cSld>
-  <p:clrMapOvr>
-    <a:masterClrMapping/>
-  </p:clrMapOvr>
-  <p:timing>
-    <p:tnLst>
-      <p:par>
-        <p:cTn id="1" dur="indefinite" restart="never" nodeType="tmRoot"/>
-      </p:par>
-    </p:tnLst>
-  </p:timing>
-</p:sld>
-</file>
-
 <file path=ppt/slides/slide2.xml><?xml version="1.0" encoding="utf-8"?>
 <p:sld xmlns:a="http://schemas.openxmlformats.org/drawingml/2006/main" xmlns:r="http://schemas.openxmlformats.org/officeDocument/2006/relationships" xmlns:p="http://schemas.openxmlformats.org/presentationml/2006/main">
   <p:cSld>
@@ -6993,6 +7220,125 @@
 </file>
 
 <file path=ppt/slides/slide20.xml><?xml version="1.0" encoding="utf-8"?>
+<p:sld xmlns:a="http://schemas.openxmlformats.org/drawingml/2006/main" xmlns:r="http://schemas.openxmlformats.org/officeDocument/2006/relationships" xmlns:p="http://schemas.openxmlformats.org/presentationml/2006/main">
+  <p:cSld>
+    <p:spTree>
+      <p:nvGrpSpPr>
+        <p:cNvPr id="1" name=""/>
+        <p:cNvGrpSpPr/>
+        <p:nvPr/>
+      </p:nvGrpSpPr>
+      <p:grpSpPr>
+        <a:xfrm>
+          <a:off x="0" y="0"/>
+          <a:ext cx="0" cy="0"/>
+          <a:chOff x="0" y="0"/>
+          <a:chExt cx="0" cy="0"/>
+        </a:xfrm>
+      </p:grpSpPr>
+      <p:sp>
+        <p:nvSpPr>
+          <p:cNvPr id="2" name="Title 1"/>
+          <p:cNvSpPr>
+            <a:spLocks noGrp="1"/>
+          </p:cNvSpPr>
+          <p:nvPr>
+            <p:ph type="title"/>
+          </p:nvPr>
+        </p:nvSpPr>
+        <p:spPr>
+          <a:xfrm>
+            <a:off x="381000" y="685800"/>
+            <a:ext cx="8260672" cy="1039427"/>
+          </a:xfrm>
+        </p:spPr>
+        <p:txBody>
+          <a:bodyPr>
+            <a:normAutofit fontScale="90000"/>
+          </a:bodyPr>
+          <a:lstStyle/>
+          <a:p>
+            <a:r>
+              <a:rPr lang="en-US" cap="all" dirty="0">
+                <a:effectLst/>
+              </a:rPr>
+              <a:t>TOAST</a:t>
+            </a:r>
+            <a:br>
+              <a:rPr lang="en-US" cap="all" dirty="0">
+                <a:effectLst/>
+              </a:rPr>
+            </a:br>
+            <a:endParaRPr lang="en-US" dirty="0"/>
+          </a:p>
+        </p:txBody>
+      </p:sp>
+      <p:sp>
+        <p:nvSpPr>
+          <p:cNvPr id="3" name="Content Placeholder 2"/>
+          <p:cNvSpPr>
+            <a:spLocks noGrp="1"/>
+          </p:cNvSpPr>
+          <p:nvPr>
+            <p:ph idx="1"/>
+          </p:nvPr>
+        </p:nvSpPr>
+        <p:spPr/>
+        <p:txBody>
+          <a:bodyPr/>
+          <a:lstStyle/>
+          <a:p>
+            <a:pPr fontAlgn="base"/>
+            <a:r>
+              <a:rPr lang="vi-VN" b="1" dirty="0"/>
+              <a:t>Toast là gì?</a:t>
+            </a:r>
+          </a:p>
+          <a:p>
+            <a:pPr fontAlgn="base"/>
+            <a:r>
+              <a:rPr lang="en-US" dirty="0" smtClean="0"/>
+              <a:t>Toast </a:t>
+            </a:r>
+            <a:r>
+              <a:rPr lang="en-US" dirty="0"/>
+              <a:t>l</a:t>
+            </a:r>
+            <a:r>
+              <a:rPr lang="vi-VN" dirty="0" smtClean="0"/>
+              <a:t>à </a:t>
+            </a:r>
+            <a:r>
+              <a:rPr lang="vi-VN" dirty="0"/>
+              <a:t>kiểu hiển thị thông báo lên trên màn hình trong một khoảng thời thời gian rất ngắn nào đó, nó thường được sử dụng ở trong Activity, Fragment, Service…</a:t>
+            </a:r>
+          </a:p>
+          <a:p>
+            <a:endParaRPr lang="en-US" dirty="0"/>
+          </a:p>
+        </p:txBody>
+      </p:sp>
+    </p:spTree>
+    <p:extLst>
+      <p:ext uri="{BB962C8B-B14F-4D97-AF65-F5344CB8AC3E}">
+        <p14:creationId xmlns:p14="http://schemas.microsoft.com/office/powerpoint/2010/main" val="2625581319"/>
+      </p:ext>
+    </p:extLst>
+  </p:cSld>
+  <p:clrMapOvr>
+    <a:masterClrMapping/>
+  </p:clrMapOvr>
+  <p:timing>
+    <p:tnLst>
+      <p:par>
+        <p:cTn id="1" dur="indefinite" restart="never" nodeType="tmRoot"/>
+      </p:par>
+    </p:tnLst>
+  </p:timing>
+</p:sld>
+</file>
+
+<file path=ppt/slides/slide21.xml><?xml version="1.0" encoding="utf-8"?>
 <p:sld xmlns:a="http://schemas.openxmlformats.org/drawingml/2006/main" xmlns:r="http://schemas.openxmlformats.org/officeDocument/2006/relationships" xmlns:p="http://schemas.openxmlformats.org/presentationml/2006/main">
   <p:cSld>
     <p:spTree>
@@ -7213,7 +7559,7 @@
 </p:sld>
 </file>
 
-<file path=ppt/slides/slide21.xml><?xml version="1.0" encoding="utf-8"?>
+<file path=ppt/slides/slide22.xml><?xml version="1.0" encoding="utf-8"?>
 <p:sld xmlns:a="http://schemas.openxmlformats.org/drawingml/2006/main" xmlns:r="http://schemas.openxmlformats.org/officeDocument/2006/relationships" xmlns:p="http://schemas.openxmlformats.org/presentationml/2006/main">
   <p:cSld>
     <p:spTree>
@@ -7332,7 +7678,7 @@
 </p:sld>
 </file>
 
-<file path=ppt/slides/slide22.xml><?xml version="1.0" encoding="utf-8"?>
+<file path=ppt/slides/slide23.xml><?xml version="1.0" encoding="utf-8"?>
 <p:sld xmlns:a="http://schemas.openxmlformats.org/drawingml/2006/main" xmlns:r="http://schemas.openxmlformats.org/officeDocument/2006/relationships" xmlns:p="http://schemas.openxmlformats.org/presentationml/2006/main">
   <p:cSld>
     <p:spTree>
@@ -7562,7 +7908,7 @@
 </p:sld>
 </file>
 
-<file path=ppt/slides/slide23.xml><?xml version="1.0" encoding="utf-8"?>
+<file path=ppt/slides/slide24.xml><?xml version="1.0" encoding="utf-8"?>
 <p:sld xmlns:a="http://schemas.openxmlformats.org/drawingml/2006/main" xmlns:r="http://schemas.openxmlformats.org/officeDocument/2006/relationships" xmlns:p="http://schemas.openxmlformats.org/presentationml/2006/main">
   <p:cSld>
     <p:spTree>
@@ -7743,7 +8089,7 @@
 </p:sld>
 </file>
 
-<file path=ppt/slides/slide24.xml><?xml version="1.0" encoding="utf-8"?>
+<file path=ppt/slides/slide25.xml><?xml version="1.0" encoding="utf-8"?>
 <p:sld xmlns:a="http://schemas.openxmlformats.org/drawingml/2006/main" xmlns:r="http://schemas.openxmlformats.org/officeDocument/2006/relationships" xmlns:p="http://schemas.openxmlformats.org/presentationml/2006/main">
   <p:cSld>
     <p:spTree>
@@ -7910,7 +8256,7 @@
 </p:sld>
 </file>
 
-<file path=ppt/slides/slide25.xml><?xml version="1.0" encoding="utf-8"?>
+<file path=ppt/slides/slide26.xml><?xml version="1.0" encoding="utf-8"?>
 <p:sld xmlns:a="http://schemas.openxmlformats.org/drawingml/2006/main" xmlns:r="http://schemas.openxmlformats.org/officeDocument/2006/relationships" xmlns:p="http://schemas.openxmlformats.org/presentationml/2006/main">
   <p:cSld>
     <p:spTree>
@@ -8053,7 +8399,7 @@
 </p:sld>
 </file>
 
-<file path=ppt/slides/slide26.xml><?xml version="1.0" encoding="utf-8"?>
+<file path=ppt/slides/slide27.xml><?xml version="1.0" encoding="utf-8"?>
 <p:sld xmlns:a="http://schemas.openxmlformats.org/drawingml/2006/main" xmlns:r="http://schemas.openxmlformats.org/officeDocument/2006/relationships" xmlns:p="http://schemas.openxmlformats.org/presentationml/2006/main">
   <p:cSld>
     <p:spTree>
@@ -8200,7 +8546,7 @@
 </p:sld>
 </file>
 
-<file path=ppt/slides/slide27.xml><?xml version="1.0" encoding="utf-8"?>
+<file path=ppt/slides/slide28.xml><?xml version="1.0" encoding="utf-8"?>
 <p:sld xmlns:a="http://schemas.openxmlformats.org/drawingml/2006/main" xmlns:r="http://schemas.openxmlformats.org/officeDocument/2006/relationships" xmlns:p="http://schemas.openxmlformats.org/presentationml/2006/main">
   <p:cSld>
     <p:spTree>
@@ -8331,7 +8677,7 @@
 </p:sld>
 </file>
 
-<file path=ppt/slides/slide28.xml><?xml version="1.0" encoding="utf-8"?>
+<file path=ppt/slides/slide29.xml><?xml version="1.0" encoding="utf-8"?>
 <p:sld xmlns:a="http://schemas.openxmlformats.org/drawingml/2006/main" xmlns:r="http://schemas.openxmlformats.org/officeDocument/2006/relationships" xmlns:p="http://schemas.openxmlformats.org/presentationml/2006/main">
   <p:cSld>
     <p:spTree>
@@ -8991,33 +9337,7 @@
           <a:bodyPr/>
           <a:lstStyle/>
           <a:p>
-            <a:r>
-              <a:rPr lang="en-US" dirty="0" smtClean="0">
-                <a:effectLst/>
-              </a:rPr>
-              <a:t>View </a:t>
-            </a:r>
-            <a:r>
-              <a:rPr lang="en-US" dirty="0" err="1" smtClean="0">
-                <a:effectLst/>
-              </a:rPr>
-              <a:t>cơ</a:t>
-            </a:r>
-            <a:r>
-              <a:rPr lang="en-US" dirty="0" smtClean="0">
-                <a:effectLst/>
-              </a:rPr>
-              <a:t> </a:t>
-            </a:r>
-            <a:r>
-              <a:rPr lang="en-US" dirty="0" err="1" smtClean="0">
-                <a:effectLst/>
-              </a:rPr>
-              <a:t>bản</a:t>
-            </a:r>
-            <a:endParaRPr lang="en-US" dirty="0">
-              <a:effectLst/>
-            </a:endParaRPr>
+            <a:endParaRPr lang="en-US"/>
           </a:p>
         </p:txBody>
       </p:sp>
@@ -9034,76 +9354,97 @@
         <p:spPr/>
         <p:txBody>
           <a:bodyPr>
-            <a:normAutofit fontScale="92500" lnSpcReduction="10000"/>
+            <a:normAutofit/>
           </a:bodyPr>
           <a:lstStyle/>
           <a:p>
             <a:r>
-              <a:rPr lang="vi-VN" dirty="0"/>
-              <a:t>Những gì chúng ta nhìn thấy trên màn hình thiết bị android được gọi là View (trong window thường được gọi là control). View được vẽ trên thiết bị android với một hình chữ nhật.</a:t>
-            </a:r>
-          </a:p>
-          <a:p>
-            <a:r>
-              <a:rPr lang="vi-VN" dirty="0"/>
-              <a:t>Các view cơ bản và thường xuyên sử dụng trong android đó là:</a:t>
-            </a:r>
-          </a:p>
-          <a:p>
-            <a:r>
-              <a:rPr lang="vi-VN" dirty="0"/>
-              <a:t>TextView</a:t>
-            </a:r>
-          </a:p>
-          <a:p>
-            <a:r>
-              <a:rPr lang="vi-VN" dirty="0"/>
-              <a:t>EditText</a:t>
-            </a:r>
-          </a:p>
-          <a:p>
-            <a:r>
-              <a:rPr lang="vi-VN" dirty="0"/>
-              <a:t>ImageView</a:t>
-            </a:r>
-          </a:p>
-          <a:p>
-            <a:r>
-              <a:rPr lang="vi-VN" dirty="0"/>
-              <a:t>Button</a:t>
-            </a:r>
-          </a:p>
-          <a:p>
-            <a:r>
-              <a:rPr lang="vi-VN" dirty="0"/>
-              <a:t>CheckBox</a:t>
-            </a:r>
-          </a:p>
-          <a:p>
-            <a:r>
-              <a:rPr lang="vi-VN" dirty="0"/>
-              <a:t>RadioButton</a:t>
-            </a:r>
+              <a:rPr lang="vi-VN" b="1" dirty="0"/>
+              <a:t>Percents (Phần trăm)</a:t>
+            </a:r>
+          </a:p>
+          <a:p>
+            <a:r>
+              <a:rPr lang="en-US" b="1" dirty="0"/>
+              <a:t>Barriers (</a:t>
+            </a:r>
+            <a:r>
+              <a:rPr lang="en-US" b="1" dirty="0" err="1"/>
+              <a:t>rào</a:t>
+            </a:r>
+            <a:r>
+              <a:rPr lang="en-US" b="1" dirty="0"/>
+              <a:t> </a:t>
+            </a:r>
+            <a:r>
+              <a:rPr lang="en-US" b="1" dirty="0" err="1"/>
+              <a:t>chắn</a:t>
+            </a:r>
+            <a:r>
+              <a:rPr lang="en-US" b="1" dirty="0"/>
+              <a:t>)</a:t>
+            </a:r>
+          </a:p>
+          <a:p>
+            <a:r>
+              <a:rPr lang="en-US" b="1" dirty="0"/>
+              <a:t>New Optimizations (</a:t>
+            </a:r>
+            <a:r>
+              <a:rPr lang="en-US" b="1" dirty="0" err="1"/>
+              <a:t>Tối</a:t>
+            </a:r>
+            <a:r>
+              <a:rPr lang="en-US" b="1" dirty="0"/>
+              <a:t> </a:t>
+            </a:r>
+            <a:r>
+              <a:rPr lang="en-US" b="1" dirty="0" err="1"/>
+              <a:t>ưu</a:t>
+            </a:r>
+            <a:r>
+              <a:rPr lang="en-US" b="1" dirty="0"/>
+              <a:t> </a:t>
+            </a:r>
+            <a:r>
+              <a:rPr lang="en-US" b="1" dirty="0" err="1"/>
+              <a:t>hoá</a:t>
+            </a:r>
+            <a:r>
+              <a:rPr lang="en-US" b="1" dirty="0"/>
+              <a:t> </a:t>
+            </a:r>
+            <a:r>
+              <a:rPr lang="en-US" b="1" dirty="0" err="1"/>
+              <a:t>mới</a:t>
+            </a:r>
+            <a:r>
+              <a:rPr lang="en-US" b="1" dirty="0"/>
+              <a:t>)</a:t>
+            </a:r>
+          </a:p>
+          <a:p>
+            <a:r>
+              <a:rPr lang="en-US" b="1" dirty="0" smtClean="0"/>
+              <a:t> </a:t>
+            </a:r>
+            <a:endParaRPr lang="vi-VN" dirty="0"/>
+          </a:p>
+          <a:p>
+            <a:endParaRPr lang="en-US" dirty="0"/>
           </a:p>
         </p:txBody>
       </p:sp>
     </p:spTree>
     <p:extLst>
       <p:ext uri="{BB962C8B-B14F-4D97-AF65-F5344CB8AC3E}">
-        <p14:creationId xmlns:p14="http://schemas.microsoft.com/office/powerpoint/2010/main" val="3873793726"/>
+        <p14:creationId xmlns:p14="http://schemas.microsoft.com/office/powerpoint/2010/main" val="1823817213"/>
       </p:ext>
     </p:extLst>
   </p:cSld>
   <p:clrMapOvr>
     <a:masterClrMapping/>
   </p:clrMapOvr>
-  <p:timing>
-    <p:tnLst>
-      <p:par>
-        <p:cTn id="1" dur="indefinite" restart="never" nodeType="tmRoot"/>
-      </p:par>
-    </p:tnLst>
-  </p:timing>
 </p:sld>
 </file>
 
@@ -9134,112 +9475,37 @@
             <p:ph type="title"/>
           </p:nvPr>
         </p:nvSpPr>
-        <p:spPr>
-          <a:xfrm>
-            <a:off x="381000" y="381000"/>
-            <a:ext cx="8229600" cy="883920"/>
-          </a:xfrm>
-        </p:spPr>
-        <p:txBody>
-          <a:bodyPr>
-            <a:normAutofit/>
-          </a:bodyPr>
-          <a:lstStyle/>
-          <a:p>
-            <a:r>
-              <a:rPr lang="en-US" sz="2800" dirty="0" err="1">
-                <a:solidFill>
-                  <a:schemeClr val="tx1"/>
-                </a:solidFill>
+        <p:spPr/>
+        <p:txBody>
+          <a:bodyPr/>
+          <a:lstStyle/>
+          <a:p>
+            <a:r>
+              <a:rPr lang="en-US" dirty="0" smtClean="0">
                 <a:effectLst/>
               </a:rPr>
-              <a:t>Các</a:t>
-            </a:r>
-            <a:r>
-              <a:rPr lang="en-US" sz="2800" dirty="0">
-                <a:solidFill>
-                  <a:schemeClr val="tx1"/>
-                </a:solidFill>
+              <a:t>View </a:t>
+            </a:r>
+            <a:r>
+              <a:rPr lang="en-US" dirty="0" err="1" smtClean="0">
                 <a:effectLst/>
               </a:rPr>
-              <a:t> </a:t>
-            </a:r>
-            <a:r>
-              <a:rPr lang="en-US" sz="2800" dirty="0" err="1">
-                <a:solidFill>
-                  <a:schemeClr val="tx1"/>
-                </a:solidFill>
+              <a:t>cơ</a:t>
+            </a:r>
+            <a:r>
+              <a:rPr lang="en-US" dirty="0" smtClean="0">
                 <a:effectLst/>
               </a:rPr>
-              <a:t>thuộc</a:t>
-            </a:r>
-            <a:r>
-              <a:rPr lang="en-US" sz="2800" dirty="0">
-                <a:solidFill>
-                  <a:schemeClr val="tx1"/>
-                </a:solidFill>
+              <a:t> </a:t>
+            </a:r>
+            <a:r>
+              <a:rPr lang="en-US" dirty="0" err="1" smtClean="0">
                 <a:effectLst/>
               </a:rPr>
-              <a:t> </a:t>
-            </a:r>
-            <a:r>
-              <a:rPr lang="en-US" sz="2800" dirty="0" err="1" smtClean="0">
-                <a:solidFill>
-                  <a:schemeClr val="tx1"/>
-                </a:solidFill>
-                <a:effectLst/>
-              </a:rPr>
-              <a:t>tính</a:t>
-            </a:r>
-            <a:r>
-              <a:rPr lang="en-US" sz="2800" dirty="0" smtClean="0">
-                <a:solidFill>
-                  <a:schemeClr val="tx1"/>
-                </a:solidFill>
-                <a:effectLst/>
-              </a:rPr>
-              <a:t> </a:t>
-            </a:r>
-            <a:r>
-              <a:rPr lang="en-US" sz="2800" dirty="0" err="1" smtClean="0">
-                <a:solidFill>
-                  <a:schemeClr val="tx1"/>
-                </a:solidFill>
-                <a:effectLst/>
-              </a:rPr>
-              <a:t>chung</a:t>
-            </a:r>
-            <a:r>
-              <a:rPr lang="en-US" sz="2800" dirty="0" smtClean="0">
-                <a:solidFill>
-                  <a:schemeClr val="tx1"/>
-                </a:solidFill>
-                <a:effectLst/>
-              </a:rPr>
-              <a:t> </a:t>
-            </a:r>
-            <a:r>
-              <a:rPr lang="en-US" sz="2800" dirty="0" err="1">
-                <a:solidFill>
-                  <a:schemeClr val="tx1"/>
-                </a:solidFill>
-                <a:effectLst/>
-              </a:rPr>
-              <a:t>của</a:t>
-            </a:r>
-            <a:r>
-              <a:rPr lang="en-US" sz="2800" dirty="0">
-                <a:solidFill>
-                  <a:schemeClr val="tx1"/>
-                </a:solidFill>
-                <a:effectLst/>
-              </a:rPr>
-              <a:t> View</a:t>
-            </a:r>
-            <a:endParaRPr lang="en-US" sz="2800" dirty="0">
-              <a:solidFill>
-                <a:schemeClr val="tx1"/>
-              </a:solidFill>
+              <a:t>bản</a:t>
+            </a:r>
+            <a:endParaRPr lang="en-US" dirty="0">
+              <a:effectLst/>
             </a:endParaRPr>
           </a:p>
         </p:txBody>
@@ -9254,106 +9520,66 @@
             <p:ph idx="1"/>
           </p:nvPr>
         </p:nvSpPr>
-        <p:spPr>
-          <a:xfrm>
-            <a:off x="152400" y="1600200"/>
-            <a:ext cx="8991600" cy="5257800"/>
-          </a:xfrm>
-        </p:spPr>
+        <p:spPr/>
         <p:txBody>
           <a:bodyPr>
-            <a:normAutofit fontScale="77500" lnSpcReduction="20000"/>
+            <a:normAutofit fontScale="92500" lnSpcReduction="10000"/>
           </a:bodyPr>
           <a:lstStyle/>
           <a:p>
             <a:r>
-              <a:rPr lang="vi-VN" sz="3200" b="1" dirty="0"/>
-              <a:t>layout_height </a:t>
-            </a:r>
-            <a:r>
-              <a:rPr lang="vi-VN" sz="3200" b="1" dirty="0" smtClean="0"/>
-              <a:t>:</a:t>
-            </a:r>
-            <a:endParaRPr lang="vi-VN" sz="3200" dirty="0"/>
-          </a:p>
-          <a:p>
-            <a:r>
-              <a:rPr lang="vi-VN" sz="3200" b="1" dirty="0"/>
-              <a:t>layout_width </a:t>
-            </a:r>
-            <a:r>
-              <a:rPr lang="vi-VN" sz="3200" b="1" dirty="0" smtClean="0"/>
-              <a:t>:</a:t>
-            </a:r>
-            <a:endParaRPr lang="vi-VN" sz="3200" dirty="0"/>
-          </a:p>
-          <a:p>
-            <a:r>
-              <a:rPr lang="vi-VN" sz="3200" b="1" dirty="0"/>
-              <a:t>id </a:t>
-            </a:r>
-            <a:r>
-              <a:rPr lang="vi-VN" sz="3200" b="1" dirty="0" smtClean="0"/>
-              <a:t>:</a:t>
-            </a:r>
-            <a:endParaRPr lang="vi-VN" sz="3200" dirty="0"/>
-          </a:p>
-          <a:p>
-            <a:r>
-              <a:rPr lang="vi-VN" sz="3200" b="1" dirty="0"/>
-              <a:t>background :</a:t>
-            </a:r>
-          </a:p>
-          <a:p>
-            <a:r>
-              <a:rPr lang="vi-VN" sz="3200" dirty="0"/>
-              <a:t>Thuộc tính này xác định màu nền của view</a:t>
-            </a:r>
-            <a:r>
-              <a:rPr lang="vi-VN" sz="3200" dirty="0" smtClean="0"/>
-              <a:t>.</a:t>
-            </a:r>
-          </a:p>
-          <a:p>
-            <a:r>
-              <a:rPr lang="vi-VN" sz="3200" b="1" dirty="0" smtClean="0"/>
-              <a:t>margin </a:t>
-            </a:r>
-            <a:r>
-              <a:rPr lang="vi-VN" sz="3200" b="1" dirty="0"/>
-              <a:t>và padding :</a:t>
-            </a:r>
-          </a:p>
-          <a:p>
-            <a:r>
-              <a:rPr lang="vi-VN" sz="3200" dirty="0"/>
-              <a:t>Hai thuộc tính margin và padding khá là quen thuộc với tất cả các bạn lập trình web, trong android hai thuộc tính này cũng như lập trình web và rất dễ nhầm lẫn.</a:t>
-            </a:r>
-          </a:p>
-          <a:p>
-            <a:r>
-              <a:rPr lang="vi-VN" sz="3200" dirty="0"/>
-              <a:t>Margin là khoảng từ các cạnh của view hiện tại tới các view khác.</a:t>
-            </a:r>
-          </a:p>
-          <a:p>
-            <a:r>
-              <a:rPr lang="vi-VN" sz="3200" dirty="0"/>
-              <a:t>Padding là khoảng cách từ các cạnh của view tới phần content của nó</a:t>
-            </a:r>
-          </a:p>
-          <a:p>
-            <a:endParaRPr lang="vi-VN" dirty="0"/>
-          </a:p>
-          <a:p>
-            <a:endParaRPr lang="en-US" dirty="0"/>
+              <a:rPr lang="vi-VN" dirty="0"/>
+              <a:t>Những gì chúng ta nhìn thấy trên màn hình thiết bị android được gọi là View (trong window thường được gọi là control). View được vẽ trên thiết bị android với một hình chữ nhật.</a:t>
+            </a:r>
+          </a:p>
+          <a:p>
+            <a:r>
+              <a:rPr lang="vi-VN" dirty="0"/>
+              <a:t>Các view cơ bản và thường xuyên sử dụng trong android đó là:</a:t>
+            </a:r>
+          </a:p>
+          <a:p>
+            <a:r>
+              <a:rPr lang="vi-VN" dirty="0"/>
+              <a:t>TextView</a:t>
+            </a:r>
+          </a:p>
+          <a:p>
+            <a:r>
+              <a:rPr lang="vi-VN" dirty="0"/>
+              <a:t>EditText</a:t>
+            </a:r>
+          </a:p>
+          <a:p>
+            <a:r>
+              <a:rPr lang="vi-VN" dirty="0"/>
+              <a:t>ImageView</a:t>
+            </a:r>
+          </a:p>
+          <a:p>
+            <a:r>
+              <a:rPr lang="vi-VN" dirty="0"/>
+              <a:t>Button</a:t>
+            </a:r>
+          </a:p>
+          <a:p>
+            <a:r>
+              <a:rPr lang="vi-VN" dirty="0"/>
+              <a:t>CheckBox</a:t>
+            </a:r>
+          </a:p>
+          <a:p>
+            <a:r>
+              <a:rPr lang="vi-VN" dirty="0"/>
+              <a:t>RadioButton</a:t>
+            </a:r>
           </a:p>
         </p:txBody>
       </p:sp>
     </p:spTree>
     <p:extLst>
       <p:ext uri="{BB962C8B-B14F-4D97-AF65-F5344CB8AC3E}">
-        <p14:creationId xmlns:p14="http://schemas.microsoft.com/office/powerpoint/2010/main" val="794417522"/>
+        <p14:creationId xmlns:p14="http://schemas.microsoft.com/office/powerpoint/2010/main" val="3873793726"/>
       </p:ext>
     </p:extLst>
   </p:cSld>
@@ -9399,28 +9625,111 @@
         </p:nvSpPr>
         <p:spPr>
           <a:xfrm>
-            <a:off x="381000" y="762000"/>
-            <a:ext cx="8229600" cy="639762"/>
+            <a:off x="381000" y="381000"/>
+            <a:ext cx="8229600" cy="883920"/>
           </a:xfrm>
         </p:spPr>
         <p:txBody>
           <a:bodyPr>
-            <a:normAutofit fontScale="90000"/>
+            <a:normAutofit/>
           </a:bodyPr>
           <a:lstStyle/>
           <a:p>
             <a:r>
-              <a:rPr lang="vi-VN" dirty="0">
+              <a:rPr lang="en-US" sz="2800" dirty="0" err="1">
+                <a:solidFill>
+                  <a:schemeClr val="tx1"/>
+                </a:solidFill>
                 <a:effectLst/>
               </a:rPr>
-              <a:t>Các View cơ bản</a:t>
-            </a:r>
-            <a:br>
-              <a:rPr lang="vi-VN" dirty="0">
+              <a:t>Các</a:t>
+            </a:r>
+            <a:r>
+              <a:rPr lang="en-US" sz="2800" dirty="0">
+                <a:solidFill>
+                  <a:schemeClr val="tx1"/>
+                </a:solidFill>
                 <a:effectLst/>
               </a:rPr>
-            </a:br>
-            <a:endParaRPr lang="en-US" dirty="0"/>
+              <a:t> </a:t>
+            </a:r>
+            <a:r>
+              <a:rPr lang="en-US" sz="2800" dirty="0" err="1">
+                <a:solidFill>
+                  <a:schemeClr val="tx1"/>
+                </a:solidFill>
+                <a:effectLst/>
+              </a:rPr>
+              <a:t>thuộc</a:t>
+            </a:r>
+            <a:r>
+              <a:rPr lang="en-US" sz="2800" dirty="0">
+                <a:solidFill>
+                  <a:schemeClr val="tx1"/>
+                </a:solidFill>
+                <a:effectLst/>
+              </a:rPr>
+              <a:t> </a:t>
+            </a:r>
+            <a:r>
+              <a:rPr lang="en-US" sz="2800" dirty="0" err="1" smtClean="0">
+                <a:solidFill>
+                  <a:schemeClr val="tx1"/>
+                </a:solidFill>
+                <a:effectLst/>
+              </a:rPr>
+              <a:t>tính</a:t>
+            </a:r>
+            <a:r>
+              <a:rPr lang="en-US" sz="2800" dirty="0" smtClean="0">
+                <a:solidFill>
+                  <a:schemeClr val="tx1"/>
+                </a:solidFill>
+                <a:effectLst/>
+              </a:rPr>
+              <a:t> </a:t>
+            </a:r>
+            <a:r>
+              <a:rPr lang="en-US" sz="2800" dirty="0" err="1" smtClean="0">
+                <a:solidFill>
+                  <a:schemeClr val="tx1"/>
+                </a:solidFill>
+                <a:effectLst/>
+              </a:rPr>
+              <a:t>chung</a:t>
+            </a:r>
+            <a:r>
+              <a:rPr lang="en-US" sz="2800" dirty="0" smtClean="0">
+                <a:solidFill>
+                  <a:schemeClr val="tx1"/>
+                </a:solidFill>
+                <a:effectLst/>
+              </a:rPr>
+              <a:t> </a:t>
+            </a:r>
+            <a:r>
+              <a:rPr lang="en-US" sz="2800" dirty="0" err="1">
+                <a:solidFill>
+                  <a:schemeClr val="tx1"/>
+                </a:solidFill>
+                <a:effectLst/>
+              </a:rPr>
+              <a:t>của</a:t>
+            </a:r>
+            <a:r>
+              <a:rPr lang="en-US" sz="2800" dirty="0">
+                <a:solidFill>
+                  <a:schemeClr val="tx1"/>
+                </a:solidFill>
+                <a:effectLst/>
+              </a:rPr>
+              <a:t> View</a:t>
+            </a:r>
+            <a:endParaRPr lang="en-US" sz="2800" dirty="0">
+              <a:solidFill>
+                <a:schemeClr val="tx1"/>
+              </a:solidFill>
+            </a:endParaRPr>
           </a:p>
         </p:txBody>
       </p:sp>
@@ -9436,116 +9745,76 @@
         </p:nvSpPr>
         <p:spPr>
           <a:xfrm>
-            <a:off x="152400" y="1524000"/>
-            <a:ext cx="8991600" cy="5334000"/>
+            <a:off x="152400" y="1600200"/>
+            <a:ext cx="8991600" cy="5257800"/>
           </a:xfrm>
         </p:spPr>
         <p:txBody>
           <a:bodyPr>
-            <a:normAutofit lnSpcReduction="10000"/>
+            <a:normAutofit fontScale="77500" lnSpcReduction="20000"/>
           </a:bodyPr>
           <a:lstStyle/>
           <a:p>
             <a:r>
-              <a:rPr lang="vi-VN" b="1" dirty="0"/>
-              <a:t>TextView :</a:t>
-            </a:r>
-          </a:p>
-          <a:p>
-            <a:r>
-              <a:rPr lang="vi-VN" b="1" dirty="0" smtClean="0"/>
-              <a:t>android:textColor</a:t>
-            </a:r>
-            <a:r>
-              <a:rPr lang="vi-VN" dirty="0"/>
-              <a:t>: Xác định màu chử của TextView</a:t>
-            </a:r>
-            <a:r>
-              <a:rPr lang="vi-VN" dirty="0" smtClean="0"/>
-              <a:t>.</a:t>
-            </a:r>
-            <a:endParaRPr lang="en-US" dirty="0" smtClean="0"/>
-          </a:p>
-          <a:p>
-            <a:r>
-              <a:rPr lang="vi-VN" b="1" dirty="0"/>
-              <a:t>android:textSize:</a:t>
-            </a:r>
-            <a:r>
-              <a:rPr lang="vi-VN" dirty="0"/>
-              <a:t> Xác định size chử của </a:t>
-            </a:r>
-            <a:r>
-              <a:rPr lang="vi-VN" dirty="0" smtClean="0"/>
-              <a:t>TextView</a:t>
-            </a:r>
-            <a:endParaRPr lang="en-US" dirty="0" smtClean="0"/>
-          </a:p>
-          <a:p>
-            <a:r>
-              <a:rPr lang="vi-VN" b="1" dirty="0"/>
-              <a:t>android:textStyle</a:t>
-            </a:r>
-            <a:r>
-              <a:rPr lang="vi-VN" dirty="0"/>
-              <a:t>: Xác định style chữ TextView, có ba giá trị là normal, bold (in đậm), ilalic (nghiêng).</a:t>
-            </a:r>
-          </a:p>
-          <a:p>
-            <a:r>
-              <a:rPr lang="vi-VN" b="1" dirty="0"/>
-              <a:t>android:background</a:t>
-            </a:r>
-            <a:r>
-              <a:rPr lang="vi-VN" dirty="0"/>
-              <a:t>: Xác định màu nền TextView.</a:t>
-            </a:r>
-          </a:p>
-          <a:p>
-            <a:r>
-              <a:rPr lang="vi-VN" b="1" dirty="0"/>
-              <a:t>android:drawableLeft:</a:t>
-            </a:r>
-            <a:r>
-              <a:rPr lang="vi-VN" dirty="0"/>
-              <a:t> Xác định drawable (với những người mới bắt đầu thì có thể xem như là hình ảnh) nằm bên trái text</a:t>
-            </a:r>
-            <a:r>
-              <a:rPr lang="vi-VN" dirty="0" smtClean="0"/>
-              <a:t>.</a:t>
-            </a:r>
-            <a:endParaRPr lang="en-US" dirty="0" smtClean="0"/>
-          </a:p>
-          <a:p>
-            <a:r>
-              <a:rPr lang="vi-VN" b="1" dirty="0" smtClean="0"/>
-              <a:t>android:drawableRight,</a:t>
-            </a:r>
-          </a:p>
-          <a:p>
-            <a:r>
-              <a:rPr lang="vi-VN" dirty="0"/>
-              <a:t> </a:t>
-            </a:r>
-            <a:r>
-              <a:rPr lang="vi-VN" b="1" dirty="0"/>
-              <a:t>android:drawableTop</a:t>
-            </a:r>
-            <a:r>
-              <a:rPr lang="vi-VN" dirty="0"/>
-              <a:t>, </a:t>
-            </a:r>
-            <a:endParaRPr lang="vi-VN" dirty="0" smtClean="0"/>
-          </a:p>
-          <a:p>
-            <a:r>
-              <a:rPr lang="vi-VN" b="1" dirty="0" smtClean="0"/>
-              <a:t>android:drawableBottom</a:t>
-            </a:r>
-            <a:r>
-              <a:rPr lang="vi-VN" dirty="0"/>
-              <a:t> nằm bên phải, trên, dưới text.</a:t>
-            </a:r>
+              <a:rPr lang="vi-VN" sz="3200" b="1" dirty="0" smtClean="0"/>
+              <a:t>layout_height :</a:t>
+            </a:r>
+            <a:endParaRPr lang="vi-VN" sz="3200" dirty="0" smtClean="0"/>
+          </a:p>
+          <a:p>
+            <a:r>
+              <a:rPr lang="vi-VN" sz="3200" b="1" dirty="0" smtClean="0"/>
+              <a:t>layout_width :</a:t>
+            </a:r>
+            <a:endParaRPr lang="vi-VN" sz="3200" dirty="0" smtClean="0"/>
+          </a:p>
+          <a:p>
+            <a:r>
+              <a:rPr lang="vi-VN" sz="3200" b="1" dirty="0" smtClean="0"/>
+              <a:t>id :</a:t>
+            </a:r>
+            <a:endParaRPr lang="vi-VN" sz="3200" dirty="0" smtClean="0"/>
+          </a:p>
+          <a:p>
+            <a:r>
+              <a:rPr lang="vi-VN" sz="3200" b="1" dirty="0" smtClean="0"/>
+              <a:t>background :</a:t>
+            </a:r>
+          </a:p>
+          <a:p>
+            <a:r>
+              <a:rPr lang="vi-VN" sz="3200" dirty="0" smtClean="0"/>
+              <a:t>Thuộc tính này xác định màu nền của view.</a:t>
+            </a:r>
+          </a:p>
+          <a:p>
+            <a:r>
+              <a:rPr lang="vi-VN" sz="3200" b="1" dirty="0" smtClean="0"/>
+              <a:t>margin và padding :</a:t>
+            </a:r>
+          </a:p>
+          <a:p>
+            <a:r>
+              <a:rPr lang="vi-VN" sz="3200" dirty="0" smtClean="0"/>
+              <a:t>Hai thuộc tính margin và padding khá là quen thuộc với tất cả các bạn lập trình web, trong android hai thuộc tính này cũng như lập trình web và rất dễ nhầm lẫn.</a:t>
+            </a:r>
+          </a:p>
+          <a:p>
+            <a:r>
+              <a:rPr lang="vi-VN" sz="3200" dirty="0" smtClean="0"/>
+              <a:t>Margin là khoảng từ các cạnh của view hiện tại tới các view khác.</a:t>
+            </a:r>
+          </a:p>
+          <a:p>
+            <a:r>
+              <a:rPr lang="vi-VN" sz="3200" dirty="0" smtClean="0"/>
+              <a:t>Padding là khoảng cách từ các cạnh của view tới phần content của nó</a:t>
+            </a:r>
+          </a:p>
+          <a:p>
+            <a:endParaRPr lang="vi-VN" dirty="0"/>
+          </a:p>
+          <a:p>
             <a:endParaRPr lang="en-US" dirty="0"/>
           </a:p>
         </p:txBody>
@@ -9553,7 +9822,7 @@
     </p:spTree>
     <p:extLst>
       <p:ext uri="{BB962C8B-B14F-4D97-AF65-F5344CB8AC3E}">
-        <p14:creationId xmlns:p14="http://schemas.microsoft.com/office/powerpoint/2010/main" val="632708463"/>
+        <p14:creationId xmlns:p14="http://schemas.microsoft.com/office/powerpoint/2010/main" val="794417522"/>
       </p:ext>
     </p:extLst>
   </p:cSld>
@@ -9589,70 +9858,109 @@
       </p:grpSpPr>
       <p:sp>
         <p:nvSpPr>
-          <p:cNvPr id="3" name="Content Placeholder 2"/>
-          <p:cNvSpPr>
-            <a:spLocks noGrp="1"/>
-          </p:cNvSpPr>
-          <p:nvPr>
-            <p:ph idx="1"/>
+          <p:cNvPr id="2" name="Title 1"/>
+          <p:cNvSpPr>
+            <a:spLocks noGrp="1"/>
+          </p:cNvSpPr>
+          <p:nvPr>
+            <p:ph type="title"/>
           </p:nvPr>
         </p:nvSpPr>
         <p:spPr>
           <a:xfrm>
-            <a:off x="304800" y="1143000"/>
-            <a:ext cx="8763000" cy="5715000"/>
+            <a:off x="381000" y="838200"/>
+            <a:ext cx="8229600" cy="639762"/>
           </a:xfrm>
         </p:spPr>
         <p:txBody>
           <a:bodyPr>
-            <a:normAutofit/>
+            <a:normAutofit fontScale="90000"/>
           </a:bodyPr>
           <a:lstStyle/>
           <a:p>
             <a:r>
               <a:rPr lang="vi-VN" b="1" dirty="0"/>
-              <a:t>EditText :</a:t>
-            </a:r>
-          </a:p>
-          <a:p>
-            <a:r>
+              <a:t>TextView :</a:t>
+            </a:r>
+            <a:br>
               <a:rPr lang="vi-VN" b="1" dirty="0"/>
-              <a:t>EditText</a:t>
+            </a:br>
+            <a:r>
+              <a:rPr lang="vi-VN" dirty="0">
+                <a:effectLst/>
+              </a:rPr>
+              <a:t/>
+            </a:r>
+            <a:br>
+              <a:rPr lang="vi-VN" dirty="0">
+                <a:effectLst/>
+              </a:rPr>
+            </a:br>
+            <a:endParaRPr lang="en-US" dirty="0"/>
+          </a:p>
+        </p:txBody>
+      </p:sp>
+      <p:sp>
+        <p:nvSpPr>
+          <p:cNvPr id="3" name="Content Placeholder 2"/>
+          <p:cNvSpPr>
+            <a:spLocks noGrp="1"/>
+          </p:cNvSpPr>
+          <p:nvPr>
+            <p:ph idx="1"/>
+          </p:nvPr>
+        </p:nvSpPr>
+        <p:spPr>
+          <a:xfrm>
+            <a:off x="76200" y="1371600"/>
+            <a:ext cx="9067800" cy="5486400"/>
+          </a:xfrm>
+        </p:spPr>
+        <p:txBody>
+          <a:bodyPr>
+            <a:normAutofit lnSpcReduction="10000"/>
+          </a:bodyPr>
+          <a:lstStyle/>
+          <a:p>
+            <a:pPr marL="114300" indent="0">
+              <a:buNone/>
+            </a:pPr>
+            <a:r>
+              <a:rPr lang="en-US" b="1" dirty="0"/>
+              <a:t> </a:t>
+            </a:r>
+            <a:r>
+              <a:rPr lang="en-US" b="1" dirty="0" smtClean="0"/>
+              <a:t>  </a:t>
+            </a:r>
+            <a:r>
+              <a:rPr lang="vi-VN" b="1" dirty="0" smtClean="0"/>
+              <a:t>android:textColor</a:t>
             </a:r>
             <a:r>
               <a:rPr lang="vi-VN" dirty="0"/>
-              <a:t> là view dùng để lấy giá trị từ người dùng nhập vào. EditText được định nghĩa bởi thẻ &lt;EditText&gt; trong xml.</a:t>
-            </a:r>
-          </a:p>
-          <a:p>
-            <a:r>
-              <a:rPr lang="vi-VN" b="1" dirty="0" smtClean="0"/>
-              <a:t>android:text</a:t>
+              <a:t>: Xác định màu chử của TextView</a:t>
+            </a:r>
+            <a:r>
+              <a:rPr lang="vi-VN" dirty="0" smtClean="0"/>
+              <a:t>.</a:t>
+            </a:r>
+            <a:endParaRPr lang="en-US" dirty="0" smtClean="0"/>
+          </a:p>
+          <a:p>
+            <a:r>
+              <a:rPr lang="vi-VN" b="1" dirty="0"/>
+              <a:t>android:textSize:</a:t>
             </a:r>
             <a:r>
               <a:rPr lang="vi-VN" dirty="0"/>
-              <a:t>: Xác định text hiển thị lên EditText</a:t>
-            </a:r>
-          </a:p>
-          <a:p>
-            <a:r>
-              <a:rPr lang="vi-VN" b="1" dirty="0"/>
-              <a:t>android:textColor</a:t>
-            </a:r>
-            <a:r>
-              <a:rPr lang="vi-VN" dirty="0"/>
-              <a:t>: Xác định màu của text.</a:t>
-            </a:r>
-          </a:p>
-          <a:p>
-            <a:r>
-              <a:rPr lang="vi-VN" b="1" dirty="0"/>
-              <a:t>android:textSize</a:t>
-            </a:r>
-            <a:r>
-              <a:rPr lang="vi-VN" dirty="0"/>
-              <a:t>: Xác định kích thước của text.</a:t>
-            </a:r>
+              <a:t> Xác định size chử của </a:t>
+            </a:r>
+            <a:r>
+              <a:rPr lang="vi-VN" dirty="0" smtClean="0"/>
+              <a:t>TextView</a:t>
+            </a:r>
+            <a:endParaRPr lang="en-US" dirty="0" smtClean="0"/>
           </a:p>
           <a:p>
             <a:r>
@@ -9661,28 +9969,122 @@
             </a:r>
             <a:r>
               <a:rPr lang="vi-VN" dirty="0"/>
-              <a:t>: Xác định style của text gồm các giá trị italic (nghiêng), bold (in đậm), normal (kiểu thường).</a:t>
+              <a:t>: Xác định style chữ TextView, có ba giá trị là normal, bold (in đậm), ilalic (nghiêng).</a:t>
             </a:r>
           </a:p>
           <a:p>
             <a:r>
               <a:rPr lang="vi-VN" b="1" dirty="0"/>
-              <a:t>android:inputType:</a:t>
+              <a:t>android:background</a:t>
             </a:r>
             <a:r>
               <a:rPr lang="vi-VN" dirty="0"/>
-              <a:t> Xác định phương thức nhập của Edittext, có các giá trị như sau: text, number, textPassword, phone, textUrl…</a:t>
-            </a:r>
-          </a:p>
-          <a:p>
-            <a:endParaRPr lang="en-US" dirty="0"/>
+              <a:t>: Xác định màu nền TextView.</a:t>
+            </a:r>
+          </a:p>
+          <a:p>
+            <a:r>
+              <a:rPr lang="vi-VN" b="1" dirty="0"/>
+              <a:t>android:drawableLeft:</a:t>
+            </a:r>
+            <a:r>
+              <a:rPr lang="vi-VN" dirty="0"/>
+              <a:t> Xác định drawable </a:t>
+            </a:r>
+            <a:r>
+              <a:rPr lang="vi-VN" dirty="0" smtClean="0"/>
+              <a:t>nằm </a:t>
+            </a:r>
+            <a:r>
+              <a:rPr lang="vi-VN" dirty="0"/>
+              <a:t>bên trái text</a:t>
+            </a:r>
+            <a:r>
+              <a:rPr lang="vi-VN" dirty="0" smtClean="0"/>
+              <a:t>.</a:t>
+            </a:r>
+            <a:endParaRPr lang="en-US" b="1" dirty="0" smtClean="0"/>
+          </a:p>
+          <a:p>
+            <a:r>
+              <a:rPr lang="en-US" b="1" dirty="0"/>
+              <a:t>Padding </a:t>
+            </a:r>
+            <a:r>
+              <a:rPr lang="en-US" b="1" dirty="0" err="1"/>
+              <a:t>trong</a:t>
+            </a:r>
+            <a:r>
+              <a:rPr lang="en-US" b="1" dirty="0"/>
+              <a:t> </a:t>
+            </a:r>
+            <a:r>
+              <a:rPr lang="en-US" b="1" dirty="0" err="1" smtClean="0"/>
+              <a:t>TextView</a:t>
+            </a:r>
+            <a:endParaRPr lang="en-US" b="1" dirty="0" smtClean="0"/>
+          </a:p>
+          <a:p>
+            <a:r>
+              <a:rPr lang="en-US" b="1" dirty="0" err="1"/>
+              <a:t>android:hint</a:t>
+            </a:r>
+            <a:r>
+              <a:rPr lang="en-US" dirty="0"/>
+              <a:t> </a:t>
+            </a:r>
+            <a:endParaRPr lang="en-US" dirty="0" smtClean="0"/>
+          </a:p>
+          <a:p>
+            <a:r>
+              <a:rPr lang="en-US" b="1" dirty="0" err="1"/>
+              <a:t>android:maxHeight</a:t>
+            </a:r>
+            <a:r>
+              <a:rPr lang="en-US" b="1" dirty="0"/>
+              <a:t>, </a:t>
+            </a:r>
+            <a:r>
+              <a:rPr lang="en-US" b="1" dirty="0" err="1"/>
+              <a:t>android:maxWidth</a:t>
+            </a:r>
+            <a:r>
+              <a:rPr lang="en-US" b="1" dirty="0"/>
+              <a:t>, </a:t>
+            </a:r>
+            <a:r>
+              <a:rPr lang="en-US" b="1" dirty="0" err="1" smtClean="0"/>
+              <a:t>android:minHeight</a:t>
+            </a:r>
+            <a:endParaRPr lang="en-US" b="1" dirty="0" smtClean="0"/>
+          </a:p>
+          <a:p>
+            <a:r>
+              <a:rPr lang="en-US" b="1" dirty="0" err="1"/>
+              <a:t>android:textAllCaps</a:t>
+            </a:r>
+            <a:r>
+              <a:rPr lang="en-US" b="1" dirty="0"/>
+              <a:t>="</a:t>
+            </a:r>
+            <a:r>
+              <a:rPr lang="en-US" b="1" dirty="0" smtClean="0"/>
+              <a:t>true“</a:t>
+            </a:r>
+          </a:p>
+          <a:p>
+            <a:r>
+              <a:rPr lang="en-US" b="1" dirty="0" err="1"/>
+              <a:t>SpannableString</a:t>
+            </a:r>
+            <a:endParaRPr lang="en-US" b="1" dirty="0"/>
           </a:p>
         </p:txBody>
       </p:sp>
     </p:spTree>
     <p:extLst>
       <p:ext uri="{BB962C8B-B14F-4D97-AF65-F5344CB8AC3E}">
-        <p14:creationId xmlns:p14="http://schemas.microsoft.com/office/powerpoint/2010/main" val="1525039173"/>
+        <p14:creationId xmlns:p14="http://schemas.microsoft.com/office/powerpoint/2010/main" val="632708463"/>
       </p:ext>
     </p:extLst>
   </p:cSld>
